--- a/slides/vid2seq-cvpr-poster.pptx
+++ b/slides/vid2seq-cvpr-poster.pptx
@@ -8774,42 +8774,6 @@
       </p:sp>
       <p:pic>
         <p:nvPicPr>
-          <p:cNvPr id="3" name="Graphique 2">
-            <a:extLst>
-              <a:ext uri="{FF2B5EF4-FFF2-40B4-BE49-F238E27FC236}">
-                <a16:creationId xmlns:a16="http://schemas.microsoft.com/office/drawing/2014/main" id="{3E2631D9-6286-E0B5-65E9-2649E9FD4238}"/>
-              </a:ext>
-            </a:extLst>
-          </p:cNvPr>
-          <p:cNvPicPr>
-            <a:picLocks noChangeAspect="1"/>
-          </p:cNvPicPr>
-          <p:nvPr/>
-        </p:nvPicPr>
-        <p:blipFill>
-          <a:blip r:embed="rId8">
-            <a:extLst>
-              <a:ext uri="{96DAC541-7B7A-43D3-8B79-37D633B846F1}">
-                <asvg:svgBlip xmlns:asvg="http://schemas.microsoft.com/office/drawing/2016/SVG/main" r:embed="rId9"/>
-              </a:ext>
-            </a:extLst>
-          </a:blip>
-          <a:stretch>
-            <a:fillRect/>
-          </a:stretch>
-        </p:blipFill>
-        <p:spPr>
-          <a:xfrm>
-            <a:off x="37554776" y="710947"/>
-            <a:ext cx="5189893" cy="1852130"/>
-          </a:xfrm>
-          <a:prstGeom prst="rect">
-            <a:avLst/>
-          </a:prstGeom>
-        </p:spPr>
-      </p:pic>
-      <p:pic>
-        <p:nvPicPr>
           <p:cNvPr id="1026" name="Picture 2">
             <a:extLst>
               <a:ext uri="{FF2B5EF4-FFF2-40B4-BE49-F238E27FC236}">
@@ -8823,7 +8787,7 @@
           <p:nvPr/>
         </p:nvPicPr>
         <p:blipFill>
-          <a:blip r:embed="rId10">
+          <a:blip r:embed="rId8">
             <a:extLst>
               <a:ext uri="{28A0092B-C50C-407E-A947-70E740481C1C}">
                 <a14:useLocalDpi xmlns:a14="http://schemas.microsoft.com/office/drawing/2010/main" val="0"/>
@@ -8870,7 +8834,7 @@
           <p:nvPr/>
         </p:nvPicPr>
         <p:blipFill>
-          <a:blip r:embed="rId11">
+          <a:blip r:embed="rId9">
             <a:extLst>
               <a:ext uri="{28A0092B-C50C-407E-A947-70E740481C1C}">
                 <a14:useLocalDpi xmlns:a14="http://schemas.microsoft.com/office/drawing/2010/main" val="0"/>
@@ -9073,7 +9037,7 @@
           <p:nvPr/>
         </p:nvPicPr>
         <p:blipFill>
-          <a:blip r:embed="rId12"/>
+          <a:blip r:embed="rId10"/>
           <a:stretch>
             <a:fillRect/>
           </a:stretch>
@@ -9103,7 +9067,7 @@
           <p:nvPr/>
         </p:nvPicPr>
         <p:blipFill>
-          <a:blip r:embed="rId13">
+          <a:blip r:embed="rId11">
             <a:extLst>
               <a:ext uri="{28A0092B-C50C-407E-A947-70E740481C1C}">
                 <a14:useLocalDpi xmlns:a14="http://schemas.microsoft.com/office/drawing/2010/main" val="0"/>
@@ -9150,7 +9114,7 @@
           <p:nvPr/>
         </p:nvPicPr>
         <p:blipFill>
-          <a:blip r:embed="rId14"/>
+          <a:blip r:embed="rId12"/>
           <a:stretch>
             <a:fillRect/>
           </a:stretch>
@@ -11067,7 +11031,7 @@
           <p:nvPr/>
         </p:nvPicPr>
         <p:blipFill rotWithShape="1">
-          <a:blip r:embed="rId15">
+          <a:blip r:embed="rId13">
             <a:alphaModFix/>
           </a:blip>
           <a:srcRect/>
@@ -11075,7 +11039,7 @@
         </p:blipFill>
         <p:spPr>
           <a:xfrm>
-            <a:off x="32463431" y="13985790"/>
+            <a:off x="31933653" y="13985790"/>
             <a:ext cx="10861975" cy="2760923"/>
           </a:xfrm>
           <a:prstGeom prst="rect">
@@ -11102,7 +11066,7 @@
         <p:spPr>
           <a:xfrm>
             <a:off x="25085950" y="14267042"/>
-            <a:ext cx="7502250" cy="1289811"/>
+            <a:ext cx="6146525" cy="1289811"/>
           </a:xfrm>
           <a:prstGeom prst="rect">
             <a:avLst/>
@@ -11138,21 +11102,14 @@
             </a:r>
             <a:r>
               <a:rPr lang="fr-FR" sz="3200" dirty="0">
-                <a:hlinkClick r:id="rId16"/>
+                <a:hlinkClick r:id="rId14"/>
               </a:rPr>
-              <a:t>https://www.youtube.com/watch?v</a:t>
-            </a:r>
-            <a:r>
-              <a:rPr lang="fr-FR" sz="3200">
-                <a:hlinkClick r:id="rId16"/>
-              </a:rPr>
-              <a:t>=3oEHSU5ExsI</a:t>
-            </a:r>
-            <a:r>
-              <a:rPr lang="fr-FR" sz="3200"/>
+              <a:t>https://www.youtube.com/watch?v=3oEHSU5ExsI</a:t>
+            </a:r>
+            <a:r>
+              <a:rPr lang="fr-FR" sz="3200" dirty="0"/>
               <a:t>.</a:t>
             </a:r>
-            <a:endParaRPr lang="fr-FR" sz="3200" dirty="0"/>
           </a:p>
         </p:txBody>
       </p:sp>
@@ -15184,6 +15141,36 @@
           </a:graphicData>
         </a:graphic>
       </p:graphicFrame>
+      <p:pic>
+        <p:nvPicPr>
+          <p:cNvPr id="19" name="Image 18">
+            <a:extLst>
+              <a:ext uri="{FF2B5EF4-FFF2-40B4-BE49-F238E27FC236}">
+                <a16:creationId xmlns:a16="http://schemas.microsoft.com/office/drawing/2014/main" id="{8075E5BF-D0CC-E490-1B89-5B117F0D9F5F}"/>
+              </a:ext>
+            </a:extLst>
+          </p:cNvPr>
+          <p:cNvPicPr>
+            <a:picLocks noChangeAspect="1"/>
+          </p:cNvPicPr>
+          <p:nvPr/>
+        </p:nvPicPr>
+        <p:blipFill>
+          <a:blip r:embed="rId15"/>
+          <a:stretch>
+            <a:fillRect/>
+          </a:stretch>
+        </p:blipFill>
+        <p:spPr>
+          <a:xfrm>
+            <a:off x="37430370" y="729129"/>
+            <a:ext cx="5746455" cy="1804976"/>
+          </a:xfrm>
+          <a:prstGeom prst="rect">
+            <a:avLst/>
+          </a:prstGeom>
+        </p:spPr>
+      </p:pic>
     </p:spTree>
   </p:cSld>
   <p:clrMapOvr>
